--- a/assets/template.pptx
+++ b/assets/template.pptx
@@ -54,7 +54,7 @@
         <p:spPr>
           <a:xfrm>
             <a:off x="311760" y="418320"/>
-            <a:ext cx="8517960" cy="625320"/>
+            <a:ext cx="8516880" cy="625320"/>
           </a:xfrm>
           <a:prstGeom prst="rect">
             <a:avLst/>
@@ -94,7 +94,7 @@
         <p:spPr>
           <a:xfrm>
             <a:off x="311760" y="1152360"/>
-            <a:ext cx="8517960" cy="3413880"/>
+            <a:ext cx="8516880" cy="3412800"/>
           </a:xfrm>
           <a:prstGeom prst="rect">
             <a:avLst/>
@@ -135,7 +135,7 @@
         <p:txBody>
           <a:bodyPr/>
           <a:p>
-            <a:fld id="{192DF46C-964D-4148-9DAC-0189573ACF98}" type="slidenum">
+            <a:fld id="{EF1EB70B-799A-4031-B524-F516486B8B4A}" type="slidenum">
               <a:t>&lt;#&gt;</a:t>
             </a:fld>
           </a:p>
@@ -177,7 +177,7 @@
         <p:txBody>
           <a:bodyPr/>
           <a:p>
-            <a:fld id="{69783A71-986A-485B-A86E-5A80EA91D5A3}" type="slidenum">
+            <a:fld id="{B375905F-6BE2-482C-A7F1-71E58EEC0DAA}" type="slidenum">
               <a:t>&lt;#&gt;</a:t>
             </a:fld>
           </a:p>
@@ -219,7 +219,7 @@
         <p:txBody>
           <a:bodyPr/>
           <a:p>
-            <a:fld id="{22F2EF73-F2A3-45A1-90D1-32613671BBFE}" type="slidenum">
+            <a:fld id="{C8ED38CC-889C-4563-89ED-762BA6502836}" type="slidenum">
               <a:t>&lt;#&gt;</a:t>
             </a:fld>
           </a:p>
@@ -261,7 +261,7 @@
         <p:txBody>
           <a:bodyPr/>
           <a:p>
-            <a:fld id="{3648C0EA-5B96-408D-9210-E9CF4C0E5549}" type="slidenum">
+            <a:fld id="{4100B55C-991B-4F8D-93E1-E79F8C7CD993}" type="slidenum">
               <a:t>&lt;#&gt;</a:t>
             </a:fld>
           </a:p>
@@ -303,7 +303,7 @@
         <p:txBody>
           <a:bodyPr/>
           <a:p>
-            <a:fld id="{230A4CB7-75BD-4E53-B4D3-41C4582F6578}" type="slidenum">
+            <a:fld id="{D3A7960D-0E4E-457C-BD09-9D9B513D1D5C}" type="slidenum">
               <a:t>&lt;#&gt;</a:t>
             </a:fld>
           </a:p>
@@ -345,7 +345,7 @@
         <p:txBody>
           <a:bodyPr/>
           <a:p>
-            <a:fld id="{4B1B3435-1E2B-44F9-B86D-03E3FC88A23A}" type="slidenum">
+            <a:fld id="{E265B386-DC7E-4DBE-A802-9F94EC2D3902}" type="slidenum">
               <a:t>&lt;#&gt;</a:t>
             </a:fld>
           </a:p>
@@ -386,7 +386,7 @@
         <p:spPr>
           <a:xfrm>
             <a:off x="311760" y="418320"/>
-            <a:ext cx="8517960" cy="625320"/>
+            <a:ext cx="8516880" cy="625320"/>
           </a:xfrm>
           <a:prstGeom prst="rect">
             <a:avLst/>
@@ -426,7 +426,7 @@
         <p:spPr>
           <a:xfrm>
             <a:off x="311760" y="1152360"/>
-            <a:ext cx="8517960" cy="3413880"/>
+            <a:ext cx="8516880" cy="3412800"/>
           </a:xfrm>
           <a:prstGeom prst="rect">
             <a:avLst/>
@@ -470,7 +470,7 @@
         <p:txBody>
           <a:bodyPr/>
           <a:p>
-            <a:fld id="{6E79265A-33F0-49F3-AA41-C73711BEC39F}" type="slidenum">
+            <a:fld id="{3F5A5F41-8140-4D06-8E3B-16DA0DAFB12E}" type="slidenum">
               <a:t>&lt;#&gt;</a:t>
             </a:fld>
           </a:p>
@@ -511,7 +511,7 @@
         <p:spPr>
           <a:xfrm>
             <a:off x="311760" y="418320"/>
-            <a:ext cx="8517960" cy="625320"/>
+            <a:ext cx="8516880" cy="625320"/>
           </a:xfrm>
           <a:prstGeom prst="rect">
             <a:avLst/>
@@ -551,7 +551,7 @@
         <p:spPr>
           <a:xfrm>
             <a:off x="311760" y="1152360"/>
-            <a:ext cx="4156560" cy="3413880"/>
+            <a:ext cx="4156200" cy="3412800"/>
           </a:xfrm>
           <a:prstGeom prst="rect">
             <a:avLst/>
@@ -593,8 +593,8 @@
         </p:nvSpPr>
         <p:spPr>
           <a:xfrm>
-            <a:off x="4676400" y="1152360"/>
-            <a:ext cx="4156560" cy="3413880"/>
+            <a:off x="4676040" y="1152360"/>
+            <a:ext cx="4156200" cy="3412800"/>
           </a:xfrm>
           <a:prstGeom prst="rect">
             <a:avLst/>
@@ -638,7 +638,7 @@
         <p:txBody>
           <a:bodyPr/>
           <a:p>
-            <a:fld id="{5C4D40C0-7BED-4E06-9B89-6394A946439A}" type="slidenum">
+            <a:fld id="{D0037ED9-76E9-49A7-AA3A-2DEF78428840}" type="slidenum">
               <a:t>&lt;#&gt;</a:t>
             </a:fld>
           </a:p>
@@ -679,7 +679,7 @@
         <p:spPr>
           <a:xfrm>
             <a:off x="311760" y="418320"/>
-            <a:ext cx="8517960" cy="625320"/>
+            <a:ext cx="8516880" cy="625320"/>
           </a:xfrm>
           <a:prstGeom prst="rect">
             <a:avLst/>
@@ -720,7 +720,7 @@
         <p:txBody>
           <a:bodyPr/>
           <a:p>
-            <a:fld id="{DCB5F7A4-53F6-4A11-824F-D15F1406F8AA}" type="slidenum">
+            <a:fld id="{7B24DF9D-E4CD-490E-AD41-0D2A2E11F1BA}" type="slidenum">
               <a:t>&lt;#&gt;</a:t>
             </a:fld>
           </a:p>
@@ -762,7 +762,7 @@
         <p:txBody>
           <a:bodyPr/>
           <a:p>
-            <a:fld id="{0EB4F6F3-46DE-46FA-830E-B9F2A6C89CC7}" type="slidenum">
+            <a:fld id="{649A4F74-F719-427A-9223-19404CDF16E6}" type="slidenum">
               <a:t>&lt;#&gt;</a:t>
             </a:fld>
           </a:p>
@@ -804,7 +804,7 @@
         <p:txBody>
           <a:bodyPr/>
           <a:p>
-            <a:fld id="{A16AD762-395E-4E2D-A282-AEB5D4F72658}" type="slidenum">
+            <a:fld id="{CAEFB397-367C-41BE-B6D1-3B36914F22AB}" type="slidenum">
               <a:t>&lt;#&gt;</a:t>
             </a:fld>
           </a:p>
@@ -852,7 +852,7 @@
         <p:spPr>
           <a:xfrm>
             <a:off x="311760" y="418320"/>
-            <a:ext cx="8517960" cy="624960"/>
+            <a:ext cx="8516880" cy="624960"/>
           </a:xfrm>
           <a:prstGeom prst="rect">
             <a:avLst/>
@@ -901,7 +901,7 @@
         <p:spPr>
           <a:xfrm>
             <a:off x="8472600" y="4663080"/>
-            <a:ext cx="546120" cy="390960"/>
+            <a:ext cx="545040" cy="389880"/>
           </a:xfrm>
           <a:prstGeom prst="rect">
             <a:avLst/>
@@ -943,7 +943,7 @@
                 <a:tab algn="l" pos="0"/>
               </a:tabLst>
             </a:pPr>
-            <a:fld id="{9170821E-F903-48D6-B762-00FB2D13F68A}" type="slidenum">
+            <a:fld id="{8E6D016F-0F13-4AAF-8400-BB20C4793869}" type="slidenum">
               <a:rPr b="0" lang="en" sz="1000" spc="-1" strike="noStrike">
                 <a:solidFill>
                   <a:schemeClr val="dk2"/>
@@ -951,7 +951,7 @@
                 <a:latin typeface="Arial"/>
                 <a:ea typeface="Arial"/>
               </a:rPr>
-              <a:t>&lt;number&gt;</a:t>
+              <a:t>1</a:t>
             </a:fld>
             <a:endParaRPr b="0" lang="pt-BR" sz="1000" spc="-1" strike="noStrike">
               <a:solidFill>
@@ -1229,7 +1229,7 @@
         <p:spPr>
           <a:xfrm>
             <a:off x="4572000" y="0"/>
-            <a:ext cx="4569480" cy="5141160"/>
+            <a:ext cx="4568400" cy="5140080"/>
           </a:xfrm>
           <a:prstGeom prst="rect">
             <a:avLst/>
@@ -1282,7 +1282,7 @@
         <p:spPr>
           <a:xfrm>
             <a:off x="8472600" y="4663080"/>
-            <a:ext cx="546120" cy="390960"/>
+            <a:ext cx="545040" cy="389880"/>
           </a:xfrm>
           <a:prstGeom prst="rect">
             <a:avLst/>
@@ -1324,7 +1324,7 @@
                 <a:tab algn="l" pos="0"/>
               </a:tabLst>
             </a:pPr>
-            <a:fld id="{E45384FB-F62E-4B28-8762-08408D811669}" type="slidenum">
+            <a:fld id="{6E9D81AD-D824-4E8C-9EED-795E20C25966}" type="slidenum">
               <a:rPr b="0" lang="en" sz="1000" spc="-1" strike="noStrike">
                 <a:solidFill>
                   <a:schemeClr val="dk2"/>
@@ -1389,7 +1389,7 @@
         <p:spPr>
           <a:xfrm>
             <a:off x="8472600" y="4663080"/>
-            <a:ext cx="546120" cy="390960"/>
+            <a:ext cx="545040" cy="389880"/>
           </a:xfrm>
           <a:prstGeom prst="rect">
             <a:avLst/>
@@ -1431,7 +1431,7 @@
                 <a:tab algn="l" pos="0"/>
               </a:tabLst>
             </a:pPr>
-            <a:fld id="{26EACD6D-20DB-4BD0-8B3C-5AF72B2E2270}" type="slidenum">
+            <a:fld id="{AD349402-44B5-47E1-930B-390D7C654A3E}" type="slidenum">
               <a:rPr b="0" lang="en" sz="1000" spc="-1" strike="noStrike">
                 <a:solidFill>
                   <a:schemeClr val="dk2"/>
@@ -1496,7 +1496,7 @@
         <p:spPr>
           <a:xfrm>
             <a:off x="8472600" y="4663080"/>
-            <a:ext cx="546120" cy="390960"/>
+            <a:ext cx="545040" cy="389880"/>
           </a:xfrm>
           <a:prstGeom prst="rect">
             <a:avLst/>
@@ -1538,7 +1538,7 @@
                 <a:tab algn="l" pos="0"/>
               </a:tabLst>
             </a:pPr>
-            <a:fld id="{D28BEF1A-B11C-4C93-993E-081305FF28A5}" type="slidenum">
+            <a:fld id="{C2BEFF1E-29D9-492A-8ECB-0170E854D713}" type="slidenum">
               <a:rPr b="0" lang="en" sz="1000" spc="-1" strike="noStrike">
                 <a:solidFill>
                   <a:schemeClr val="dk2"/>
@@ -1603,7 +1603,7 @@
         <p:spPr>
           <a:xfrm>
             <a:off x="8472600" y="4663080"/>
-            <a:ext cx="546120" cy="390960"/>
+            <a:ext cx="545040" cy="389880"/>
           </a:xfrm>
           <a:prstGeom prst="rect">
             <a:avLst/>
@@ -1645,7 +1645,7 @@
                 <a:tab algn="l" pos="0"/>
               </a:tabLst>
             </a:pPr>
-            <a:fld id="{00BD1B90-00B1-4921-A084-0D895AC5FE24}" type="slidenum">
+            <a:fld id="{C8998EA0-D011-40BF-A786-C548ADB566BC}" type="slidenum">
               <a:rPr b="0" lang="en" sz="1000" spc="-1" strike="noStrike">
                 <a:solidFill>
                   <a:schemeClr val="dk2"/>
@@ -1710,7 +1710,7 @@
         <p:spPr>
           <a:xfrm>
             <a:off x="8472600" y="4663080"/>
-            <a:ext cx="546120" cy="390960"/>
+            <a:ext cx="545040" cy="389880"/>
           </a:xfrm>
           <a:prstGeom prst="rect">
             <a:avLst/>
@@ -1752,7 +1752,7 @@
                 <a:tab algn="l" pos="0"/>
               </a:tabLst>
             </a:pPr>
-            <a:fld id="{E46F7647-CCD6-4878-A32D-4DFBE0A685B3}" type="slidenum">
+            <a:fld id="{ABB95DEA-2486-4491-B496-F63151C137A6}" type="slidenum">
               <a:rPr b="0" lang="en" sz="1000" spc="-1" strike="noStrike">
                 <a:solidFill>
                   <a:schemeClr val="dk2"/>
@@ -1817,7 +1817,7 @@
         <p:spPr>
           <a:xfrm>
             <a:off x="311760" y="418320"/>
-            <a:ext cx="8517960" cy="624960"/>
+            <a:ext cx="8516880" cy="624960"/>
           </a:xfrm>
           <a:prstGeom prst="rect">
             <a:avLst/>
@@ -1866,7 +1866,7 @@
         <p:spPr>
           <a:xfrm>
             <a:off x="311760" y="1152360"/>
-            <a:ext cx="8517960" cy="3413880"/>
+            <a:ext cx="8516880" cy="3412800"/>
           </a:xfrm>
           <a:prstGeom prst="rect">
             <a:avLst/>
@@ -2091,7 +2091,7 @@
         <p:spPr>
           <a:xfrm>
             <a:off x="8472600" y="4663080"/>
-            <a:ext cx="546120" cy="390960"/>
+            <a:ext cx="545040" cy="389880"/>
           </a:xfrm>
           <a:prstGeom prst="rect">
             <a:avLst/>
@@ -2133,7 +2133,7 @@
                 <a:tab algn="l" pos="0"/>
               </a:tabLst>
             </a:pPr>
-            <a:fld id="{FA8FF174-14AB-4EA4-B3F5-9A0BD097A7CE}" type="slidenum">
+            <a:fld id="{5BA4BC17-0F9D-4E6B-AFEC-397D772FEECD}" type="slidenum">
               <a:rPr b="0" lang="en" sz="1000" spc="-1" strike="noStrike">
                 <a:solidFill>
                   <a:schemeClr val="dk2"/>
@@ -2198,7 +2198,7 @@
         <p:spPr>
           <a:xfrm>
             <a:off x="311760" y="418320"/>
-            <a:ext cx="8517960" cy="624960"/>
+            <a:ext cx="8516880" cy="624960"/>
           </a:xfrm>
           <a:prstGeom prst="rect">
             <a:avLst/>
@@ -2247,7 +2247,7 @@
         <p:spPr>
           <a:xfrm>
             <a:off x="311760" y="1152360"/>
-            <a:ext cx="4156560" cy="3413880"/>
+            <a:ext cx="4155840" cy="3412800"/>
           </a:xfrm>
           <a:prstGeom prst="rect">
             <a:avLst/>
@@ -2471,8 +2471,8 @@
         </p:nvSpPr>
         <p:spPr>
           <a:xfrm>
-            <a:off x="4676760" y="1152360"/>
-            <a:ext cx="4156560" cy="3413880"/>
+            <a:off x="4676040" y="1152360"/>
+            <a:ext cx="4155840" cy="3412800"/>
           </a:xfrm>
           <a:prstGeom prst="rect">
             <a:avLst/>
@@ -2697,7 +2697,7 @@
         <p:spPr>
           <a:xfrm>
             <a:off x="8472600" y="4663080"/>
-            <a:ext cx="546120" cy="390960"/>
+            <a:ext cx="545040" cy="389880"/>
           </a:xfrm>
           <a:prstGeom prst="rect">
             <a:avLst/>
@@ -2739,7 +2739,7 @@
                 <a:tab algn="l" pos="0"/>
               </a:tabLst>
             </a:pPr>
-            <a:fld id="{B01C7D98-3520-4555-B14E-DE47A343A440}" type="slidenum">
+            <a:fld id="{B0295B9F-BC44-4C28-91E7-505283FA511A}" type="slidenum">
               <a:rPr b="0" lang="en" sz="1000" spc="-1" strike="noStrike">
                 <a:solidFill>
                   <a:schemeClr val="dk2"/>
@@ -2804,7 +2804,7 @@
         <p:spPr>
           <a:xfrm>
             <a:off x="311760" y="418320"/>
-            <a:ext cx="8517960" cy="624960"/>
+            <a:ext cx="8516880" cy="624960"/>
           </a:xfrm>
           <a:prstGeom prst="rect">
             <a:avLst/>
@@ -2853,7 +2853,7 @@
         <p:spPr>
           <a:xfrm>
             <a:off x="8472600" y="4663080"/>
-            <a:ext cx="546120" cy="390960"/>
+            <a:ext cx="545040" cy="389880"/>
           </a:xfrm>
           <a:prstGeom prst="rect">
             <a:avLst/>
@@ -2895,7 +2895,7 @@
                 <a:tab algn="l" pos="0"/>
               </a:tabLst>
             </a:pPr>
-            <a:fld id="{EF7BFA72-4204-432E-9225-E97AC6A4992F}" type="slidenum">
+            <a:fld id="{8DB12884-63C0-4464-AA89-E2A885F38189}" type="slidenum">
               <a:rPr b="0" lang="en" sz="1000" spc="-1" strike="noStrike">
                 <a:solidFill>
                   <a:schemeClr val="dk2"/>
@@ -2960,7 +2960,7 @@
         <p:spPr>
           <a:xfrm>
             <a:off x="8472600" y="4663080"/>
-            <a:ext cx="546120" cy="390960"/>
+            <a:ext cx="545040" cy="389880"/>
           </a:xfrm>
           <a:prstGeom prst="rect">
             <a:avLst/>
@@ -3002,7 +3002,7 @@
                 <a:tab algn="l" pos="0"/>
               </a:tabLst>
             </a:pPr>
-            <a:fld id="{D8DF8444-9165-4B26-923D-247476E85823}" type="slidenum">
+            <a:fld id="{16C211F0-C9AC-46D7-9F9C-2D65A38C607C}" type="slidenum">
               <a:rPr b="0" lang="en" sz="1000" spc="-1" strike="noStrike">
                 <a:solidFill>
                   <a:schemeClr val="dk2"/>
@@ -3067,7 +3067,7 @@
         <p:spPr>
           <a:xfrm>
             <a:off x="8472600" y="4663080"/>
-            <a:ext cx="546120" cy="390960"/>
+            <a:ext cx="545040" cy="389880"/>
           </a:xfrm>
           <a:prstGeom prst="rect">
             <a:avLst/>
@@ -3109,7 +3109,7 @@
                 <a:tab algn="l" pos="0"/>
               </a:tabLst>
             </a:pPr>
-            <a:fld id="{C1436363-E3CA-431C-83A1-585BAA17CCA3}" type="slidenum">
+            <a:fld id="{4772EADD-2845-429A-9FD9-7081AA3DD735}" type="slidenum">
               <a:rPr b="0" lang="en" sz="1000" spc="-1" strike="noStrike">
                 <a:solidFill>
                   <a:schemeClr val="dk2"/>
@@ -3167,7 +3167,7 @@
         <p:spPr>
           <a:xfrm>
             <a:off x="311760" y="744480"/>
-            <a:ext cx="8517960" cy="2050200"/>
+            <a:ext cx="8516880" cy="2049120"/>
           </a:xfrm>
           <a:prstGeom prst="rect">
             <a:avLst/>
@@ -3207,7 +3207,7 @@
         <p:spPr>
           <a:xfrm>
             <a:off x="311760" y="2834280"/>
-            <a:ext cx="8517960" cy="790200"/>
+            <a:ext cx="8516880" cy="789120"/>
           </a:xfrm>
           <a:prstGeom prst="rect">
             <a:avLst/>
@@ -3245,7 +3245,27 @@
                 <a:latin typeface="Arial"/>
                 <a:ea typeface="Arial"/>
               </a:rPr>
-              <a:t>{title}</a:t>
+              <a:t>{t</a:t>
+            </a:r>
+            <a:r>
+              <a:rPr b="0" lang="en" sz="2800" spc="-1" strike="noStrike">
+                <a:solidFill>
+                  <a:srgbClr val="c9211e"/>
+                </a:solidFill>
+                <a:latin typeface="Arial"/>
+                <a:ea typeface="Arial"/>
+              </a:rPr>
+              <a:t>itl</a:t>
+            </a:r>
+            <a:r>
+              <a:rPr b="0" lang="en" sz="2800" spc="-1" strike="noStrike">
+                <a:solidFill>
+                  <a:schemeClr val="dk2"/>
+                </a:solidFill>
+                <a:latin typeface="Arial"/>
+                <a:ea typeface="Arial"/>
+              </a:rPr>
+              <a:t>e}</a:t>
             </a:r>
             <a:endParaRPr b="0" lang="pt-BR" sz="2800" spc="-1" strike="noStrike">
               <a:solidFill>
@@ -3299,7 +3319,7 @@
         <p:spPr>
           <a:xfrm>
             <a:off x="311760" y="444960"/>
-            <a:ext cx="8517960" cy="570240"/>
+            <a:ext cx="8516880" cy="569160"/>
           </a:xfrm>
           <a:prstGeom prst="rect">
             <a:avLst/>
@@ -3339,7 +3359,7 @@
         <p:spPr>
           <a:xfrm>
             <a:off x="311760" y="1152360"/>
-            <a:ext cx="8517960" cy="3413880"/>
+            <a:ext cx="8516880" cy="3412800"/>
           </a:xfrm>
           <a:prstGeom prst="rect">
             <a:avLst/>
@@ -3431,7 +3451,7 @@
         <p:spPr>
           <a:xfrm>
             <a:off x="311760" y="444960"/>
-            <a:ext cx="8517960" cy="570240"/>
+            <a:ext cx="8516880" cy="569160"/>
           </a:xfrm>
           <a:prstGeom prst="rect">
             <a:avLst/>
@@ -3451,6 +3471,9 @@
                 <a:spcPct val="100000"/>
               </a:lnSpc>
               <a:buNone/>
+              <a:tabLst>
+                <a:tab algn="l" pos="0"/>
+              </a:tabLst>
             </a:pPr>
             <a:r>
               <a:rPr b="0" lang="pt-BR" sz="1800" spc="-1" strike="noStrike">
@@ -3483,7 +3506,7 @@
         <p:spPr>
           <a:xfrm>
             <a:off x="311760" y="1152360"/>
-            <a:ext cx="8517960" cy="3413880"/>
+            <a:ext cx="8516880" cy="3412800"/>
           </a:xfrm>
           <a:prstGeom prst="rect">
             <a:avLst/>
@@ -3519,9 +3542,17 @@
                   <a:srgbClr val="000000"/>
                 </a:solidFill>
                 <a:latin typeface="Arial"/>
-                <a:ea typeface="Arial"/>
               </a:rPr>
-              <a:t>{#items}</a:t>
+              <a:t>{#ite</a:t>
+            </a:r>
+            <a:r>
+              <a:rPr b="0" lang="en" sz="1800" spc="-1" strike="noStrike">
+                <a:solidFill>
+                  <a:srgbClr val="c9211e"/>
+                </a:solidFill>
+                <a:latin typeface="Arial"/>
+              </a:rPr>
+              <a:t>ms}</a:t>
             </a:r>
             <a:endParaRPr b="0" lang="pt-BR" sz="1800" spc="-1" strike="noStrike">
               <a:solidFill>
@@ -3552,7 +3583,6 @@
                   <a:srgbClr val="000000"/>
                 </a:solidFill>
                 <a:latin typeface="Arial"/>
-                <a:ea typeface="Arial"/>
               </a:rPr>
               <a:t>Item: {item} Descrição: {description} Preço: {price}</a:t>
             </a:r>
@@ -3585,7 +3615,6 @@
                   <a:srgbClr val="000000"/>
                 </a:solidFill>
                 <a:latin typeface="Arial"/>
-                <a:ea typeface="Arial"/>
               </a:rPr>
               <a:t>{/items}</a:t>
             </a:r>

--- a/assets/template.pptx
+++ b/assets/template.pptx
@@ -54,7 +54,7 @@
         <p:spPr>
           <a:xfrm>
             <a:off x="311760" y="418320"/>
-            <a:ext cx="8516880" cy="625320"/>
+            <a:ext cx="8516520" cy="625320"/>
           </a:xfrm>
           <a:prstGeom prst="rect">
             <a:avLst/>
@@ -94,7 +94,7 @@
         <p:spPr>
           <a:xfrm>
             <a:off x="311760" y="1152360"/>
-            <a:ext cx="8516880" cy="3412800"/>
+            <a:ext cx="8516520" cy="3412440"/>
           </a:xfrm>
           <a:prstGeom prst="rect">
             <a:avLst/>
@@ -135,7 +135,7 @@
         <p:txBody>
           <a:bodyPr/>
           <a:p>
-            <a:fld id="{EF1EB70B-799A-4031-B524-F516486B8B4A}" type="slidenum">
+            <a:fld id="{A6691924-5222-47A8-A036-103147E4E5EE}" type="slidenum">
               <a:t>&lt;#&gt;</a:t>
             </a:fld>
           </a:p>
@@ -177,7 +177,7 @@
         <p:txBody>
           <a:bodyPr/>
           <a:p>
-            <a:fld id="{B375905F-6BE2-482C-A7F1-71E58EEC0DAA}" type="slidenum">
+            <a:fld id="{9B0D487A-5AA2-43EE-B366-6CE4B20379B9}" type="slidenum">
               <a:t>&lt;#&gt;</a:t>
             </a:fld>
           </a:p>
@@ -219,7 +219,7 @@
         <p:txBody>
           <a:bodyPr/>
           <a:p>
-            <a:fld id="{C8ED38CC-889C-4563-89ED-762BA6502836}" type="slidenum">
+            <a:fld id="{AD12F8A0-3AE8-431E-8CC6-ACB44A00A1C8}" type="slidenum">
               <a:t>&lt;#&gt;</a:t>
             </a:fld>
           </a:p>
@@ -261,7 +261,7 @@
         <p:txBody>
           <a:bodyPr/>
           <a:p>
-            <a:fld id="{4100B55C-991B-4F8D-93E1-E79F8C7CD993}" type="slidenum">
+            <a:fld id="{22A0C7BF-E0E1-40A8-8C7C-F1BF847C853C}" type="slidenum">
               <a:t>&lt;#&gt;</a:t>
             </a:fld>
           </a:p>
@@ -303,7 +303,7 @@
         <p:txBody>
           <a:bodyPr/>
           <a:p>
-            <a:fld id="{D3A7960D-0E4E-457C-BD09-9D9B513D1D5C}" type="slidenum">
+            <a:fld id="{74789CBB-ED7C-47BC-AB5B-C7574FF6DD50}" type="slidenum">
               <a:t>&lt;#&gt;</a:t>
             </a:fld>
           </a:p>
@@ -345,7 +345,7 @@
         <p:txBody>
           <a:bodyPr/>
           <a:p>
-            <a:fld id="{E265B386-DC7E-4DBE-A802-9F94EC2D3902}" type="slidenum">
+            <a:fld id="{E3FC4C48-3A98-4846-B1E2-B6FF661B171E}" type="slidenum">
               <a:t>&lt;#&gt;</a:t>
             </a:fld>
           </a:p>
@@ -386,7 +386,7 @@
         <p:spPr>
           <a:xfrm>
             <a:off x="311760" y="418320"/>
-            <a:ext cx="8516880" cy="625320"/>
+            <a:ext cx="8516520" cy="625320"/>
           </a:xfrm>
           <a:prstGeom prst="rect">
             <a:avLst/>
@@ -426,7 +426,7 @@
         <p:spPr>
           <a:xfrm>
             <a:off x="311760" y="1152360"/>
-            <a:ext cx="8516880" cy="3412800"/>
+            <a:ext cx="8516520" cy="3412440"/>
           </a:xfrm>
           <a:prstGeom prst="rect">
             <a:avLst/>
@@ -470,7 +470,7 @@
         <p:txBody>
           <a:bodyPr/>
           <a:p>
-            <a:fld id="{3F5A5F41-8140-4D06-8E3B-16DA0DAFB12E}" type="slidenum">
+            <a:fld id="{DC5F7E90-636F-499F-A8EC-709195B66A75}" type="slidenum">
               <a:t>&lt;#&gt;</a:t>
             </a:fld>
           </a:p>
@@ -511,7 +511,7 @@
         <p:spPr>
           <a:xfrm>
             <a:off x="311760" y="418320"/>
-            <a:ext cx="8516880" cy="625320"/>
+            <a:ext cx="8516520" cy="625320"/>
           </a:xfrm>
           <a:prstGeom prst="rect">
             <a:avLst/>
@@ -551,7 +551,7 @@
         <p:spPr>
           <a:xfrm>
             <a:off x="311760" y="1152360"/>
-            <a:ext cx="4156200" cy="3412800"/>
+            <a:ext cx="4155840" cy="3412440"/>
           </a:xfrm>
           <a:prstGeom prst="rect">
             <a:avLst/>
@@ -593,8 +593,8 @@
         </p:nvSpPr>
         <p:spPr>
           <a:xfrm>
-            <a:off x="4676040" y="1152360"/>
-            <a:ext cx="4156200" cy="3412800"/>
+            <a:off x="4675680" y="1152360"/>
+            <a:ext cx="4155840" cy="3412440"/>
           </a:xfrm>
           <a:prstGeom prst="rect">
             <a:avLst/>
@@ -638,7 +638,7 @@
         <p:txBody>
           <a:bodyPr/>
           <a:p>
-            <a:fld id="{D0037ED9-76E9-49A7-AA3A-2DEF78428840}" type="slidenum">
+            <a:fld id="{A84AE299-FE32-4AF2-BF60-D59450565FCC}" type="slidenum">
               <a:t>&lt;#&gt;</a:t>
             </a:fld>
           </a:p>
@@ -679,7 +679,7 @@
         <p:spPr>
           <a:xfrm>
             <a:off x="311760" y="418320"/>
-            <a:ext cx="8516880" cy="625320"/>
+            <a:ext cx="8516520" cy="625320"/>
           </a:xfrm>
           <a:prstGeom prst="rect">
             <a:avLst/>
@@ -720,7 +720,7 @@
         <p:txBody>
           <a:bodyPr/>
           <a:p>
-            <a:fld id="{7B24DF9D-E4CD-490E-AD41-0D2A2E11F1BA}" type="slidenum">
+            <a:fld id="{24ADDA60-7B4C-4D29-85EE-F8AAC643BCE2}" type="slidenum">
               <a:t>&lt;#&gt;</a:t>
             </a:fld>
           </a:p>
@@ -762,7 +762,7 @@
         <p:txBody>
           <a:bodyPr/>
           <a:p>
-            <a:fld id="{649A4F74-F719-427A-9223-19404CDF16E6}" type="slidenum">
+            <a:fld id="{2469CCB3-F9CF-4CEF-96C9-13BEC836C6C3}" type="slidenum">
               <a:t>&lt;#&gt;</a:t>
             </a:fld>
           </a:p>
@@ -804,7 +804,7 @@
         <p:txBody>
           <a:bodyPr/>
           <a:p>
-            <a:fld id="{CAEFB397-367C-41BE-B6D1-3B36914F22AB}" type="slidenum">
+            <a:fld id="{EF8F6C33-C5AF-4869-938A-47DEB3AF3910}" type="slidenum">
               <a:t>&lt;#&gt;</a:t>
             </a:fld>
           </a:p>
@@ -852,7 +852,7 @@
         <p:spPr>
           <a:xfrm>
             <a:off x="311760" y="418320"/>
-            <a:ext cx="8516880" cy="624960"/>
+            <a:ext cx="8516520" cy="624960"/>
           </a:xfrm>
           <a:prstGeom prst="rect">
             <a:avLst/>
@@ -901,7 +901,7 @@
         <p:spPr>
           <a:xfrm>
             <a:off x="8472600" y="4663080"/>
-            <a:ext cx="545040" cy="389880"/>
+            <a:ext cx="544680" cy="389520"/>
           </a:xfrm>
           <a:prstGeom prst="rect">
             <a:avLst/>
@@ -943,7 +943,7 @@
                 <a:tab algn="l" pos="0"/>
               </a:tabLst>
             </a:pPr>
-            <a:fld id="{8E6D016F-0F13-4AAF-8400-BB20C4793869}" type="slidenum">
+            <a:fld id="{4336AA91-9D5E-4628-ABBE-1B4E325E13C4}" type="slidenum">
               <a:rPr b="0" lang="en" sz="1000" spc="-1" strike="noStrike">
                 <a:solidFill>
                   <a:schemeClr val="dk2"/>
@@ -951,7 +951,7 @@
                 <a:latin typeface="Arial"/>
                 <a:ea typeface="Arial"/>
               </a:rPr>
-              <a:t>1</a:t>
+              <a:t>&lt;number&gt;</a:t>
             </a:fld>
             <a:endParaRPr b="0" lang="pt-BR" sz="1000" spc="-1" strike="noStrike">
               <a:solidFill>
@@ -1229,7 +1229,7 @@
         <p:spPr>
           <a:xfrm>
             <a:off x="4572000" y="0"/>
-            <a:ext cx="4568400" cy="5140080"/>
+            <a:ext cx="4568040" cy="5139720"/>
           </a:xfrm>
           <a:prstGeom prst="rect">
             <a:avLst/>
@@ -1282,7 +1282,7 @@
         <p:spPr>
           <a:xfrm>
             <a:off x="8472600" y="4663080"/>
-            <a:ext cx="545040" cy="389880"/>
+            <a:ext cx="544680" cy="389520"/>
           </a:xfrm>
           <a:prstGeom prst="rect">
             <a:avLst/>
@@ -1324,7 +1324,7 @@
                 <a:tab algn="l" pos="0"/>
               </a:tabLst>
             </a:pPr>
-            <a:fld id="{6E9D81AD-D824-4E8C-9EED-795E20C25966}" type="slidenum">
+            <a:fld id="{2D1E787E-E788-4E1B-8DF6-12075D28192D}" type="slidenum">
               <a:rPr b="0" lang="en" sz="1000" spc="-1" strike="noStrike">
                 <a:solidFill>
                   <a:schemeClr val="dk2"/>
@@ -1389,7 +1389,7 @@
         <p:spPr>
           <a:xfrm>
             <a:off x="8472600" y="4663080"/>
-            <a:ext cx="545040" cy="389880"/>
+            <a:ext cx="544680" cy="389520"/>
           </a:xfrm>
           <a:prstGeom prst="rect">
             <a:avLst/>
@@ -1431,7 +1431,7 @@
                 <a:tab algn="l" pos="0"/>
               </a:tabLst>
             </a:pPr>
-            <a:fld id="{AD349402-44B5-47E1-930B-390D7C654A3E}" type="slidenum">
+            <a:fld id="{6A3899D0-F93E-4D3C-8CF8-A840365B6AA0}" type="slidenum">
               <a:rPr b="0" lang="en" sz="1000" spc="-1" strike="noStrike">
                 <a:solidFill>
                   <a:schemeClr val="dk2"/>
@@ -1496,7 +1496,7 @@
         <p:spPr>
           <a:xfrm>
             <a:off x="8472600" y="4663080"/>
-            <a:ext cx="545040" cy="389880"/>
+            <a:ext cx="544680" cy="389520"/>
           </a:xfrm>
           <a:prstGeom prst="rect">
             <a:avLst/>
@@ -1538,7 +1538,7 @@
                 <a:tab algn="l" pos="0"/>
               </a:tabLst>
             </a:pPr>
-            <a:fld id="{C2BEFF1E-29D9-492A-8ECB-0170E854D713}" type="slidenum">
+            <a:fld id="{9DC336D6-5AC4-4965-BC22-1EBD035B802F}" type="slidenum">
               <a:rPr b="0" lang="en" sz="1000" spc="-1" strike="noStrike">
                 <a:solidFill>
                   <a:schemeClr val="dk2"/>
@@ -1603,7 +1603,7 @@
         <p:spPr>
           <a:xfrm>
             <a:off x="8472600" y="4663080"/>
-            <a:ext cx="545040" cy="389880"/>
+            <a:ext cx="544680" cy="389520"/>
           </a:xfrm>
           <a:prstGeom prst="rect">
             <a:avLst/>
@@ -1645,7 +1645,7 @@
                 <a:tab algn="l" pos="0"/>
               </a:tabLst>
             </a:pPr>
-            <a:fld id="{C8998EA0-D011-40BF-A786-C548ADB566BC}" type="slidenum">
+            <a:fld id="{0BDC0A99-053C-4C1D-97A1-185E4F1E9B63}" type="slidenum">
               <a:rPr b="0" lang="en" sz="1000" spc="-1" strike="noStrike">
                 <a:solidFill>
                   <a:schemeClr val="dk2"/>
@@ -1710,7 +1710,7 @@
         <p:spPr>
           <a:xfrm>
             <a:off x="8472600" y="4663080"/>
-            <a:ext cx="545040" cy="389880"/>
+            <a:ext cx="544680" cy="389520"/>
           </a:xfrm>
           <a:prstGeom prst="rect">
             <a:avLst/>
@@ -1752,7 +1752,7 @@
                 <a:tab algn="l" pos="0"/>
               </a:tabLst>
             </a:pPr>
-            <a:fld id="{ABB95DEA-2486-4491-B496-F63151C137A6}" type="slidenum">
+            <a:fld id="{BB27A880-3E71-4809-8201-912D30446A22}" type="slidenum">
               <a:rPr b="0" lang="en" sz="1000" spc="-1" strike="noStrike">
                 <a:solidFill>
                   <a:schemeClr val="dk2"/>
@@ -1817,7 +1817,7 @@
         <p:spPr>
           <a:xfrm>
             <a:off x="311760" y="418320"/>
-            <a:ext cx="8516880" cy="624960"/>
+            <a:ext cx="8516520" cy="624960"/>
           </a:xfrm>
           <a:prstGeom prst="rect">
             <a:avLst/>
@@ -1866,7 +1866,7 @@
         <p:spPr>
           <a:xfrm>
             <a:off x="311760" y="1152360"/>
-            <a:ext cx="8516880" cy="3412800"/>
+            <a:ext cx="8516520" cy="3412440"/>
           </a:xfrm>
           <a:prstGeom prst="rect">
             <a:avLst/>
@@ -2091,7 +2091,7 @@
         <p:spPr>
           <a:xfrm>
             <a:off x="8472600" y="4663080"/>
-            <a:ext cx="545040" cy="389880"/>
+            <a:ext cx="544680" cy="389520"/>
           </a:xfrm>
           <a:prstGeom prst="rect">
             <a:avLst/>
@@ -2133,7 +2133,7 @@
                 <a:tab algn="l" pos="0"/>
               </a:tabLst>
             </a:pPr>
-            <a:fld id="{5BA4BC17-0F9D-4E6B-AFEC-397D772FEECD}" type="slidenum">
+            <a:fld id="{3124229A-2757-4DBA-92B3-F505D2417597}" type="slidenum">
               <a:rPr b="0" lang="en" sz="1000" spc="-1" strike="noStrike">
                 <a:solidFill>
                   <a:schemeClr val="dk2"/>
@@ -2198,7 +2198,7 @@
         <p:spPr>
           <a:xfrm>
             <a:off x="311760" y="418320"/>
-            <a:ext cx="8516880" cy="624960"/>
+            <a:ext cx="8516520" cy="624960"/>
           </a:xfrm>
           <a:prstGeom prst="rect">
             <a:avLst/>
@@ -2247,7 +2247,7 @@
         <p:spPr>
           <a:xfrm>
             <a:off x="311760" y="1152360"/>
-            <a:ext cx="4155840" cy="3412800"/>
+            <a:ext cx="4155840" cy="3412440"/>
           </a:xfrm>
           <a:prstGeom prst="rect">
             <a:avLst/>
@@ -2472,7 +2472,7 @@
         <p:spPr>
           <a:xfrm>
             <a:off x="4676040" y="1152360"/>
-            <a:ext cx="4155840" cy="3412800"/>
+            <a:ext cx="4155840" cy="3412440"/>
           </a:xfrm>
           <a:prstGeom prst="rect">
             <a:avLst/>
@@ -2697,7 +2697,7 @@
         <p:spPr>
           <a:xfrm>
             <a:off x="8472600" y="4663080"/>
-            <a:ext cx="545040" cy="389880"/>
+            <a:ext cx="544680" cy="389520"/>
           </a:xfrm>
           <a:prstGeom prst="rect">
             <a:avLst/>
@@ -2739,7 +2739,7 @@
                 <a:tab algn="l" pos="0"/>
               </a:tabLst>
             </a:pPr>
-            <a:fld id="{B0295B9F-BC44-4C28-91E7-505283FA511A}" type="slidenum">
+            <a:fld id="{F03072C3-5FA2-43DB-944A-E222894E160F}" type="slidenum">
               <a:rPr b="0" lang="en" sz="1000" spc="-1" strike="noStrike">
                 <a:solidFill>
                   <a:schemeClr val="dk2"/>
@@ -2804,7 +2804,7 @@
         <p:spPr>
           <a:xfrm>
             <a:off x="311760" y="418320"/>
-            <a:ext cx="8516880" cy="624960"/>
+            <a:ext cx="8516520" cy="624960"/>
           </a:xfrm>
           <a:prstGeom prst="rect">
             <a:avLst/>
@@ -2853,7 +2853,7 @@
         <p:spPr>
           <a:xfrm>
             <a:off x="8472600" y="4663080"/>
-            <a:ext cx="545040" cy="389880"/>
+            <a:ext cx="544680" cy="389520"/>
           </a:xfrm>
           <a:prstGeom prst="rect">
             <a:avLst/>
@@ -2895,7 +2895,7 @@
                 <a:tab algn="l" pos="0"/>
               </a:tabLst>
             </a:pPr>
-            <a:fld id="{8DB12884-63C0-4464-AA89-E2A885F38189}" type="slidenum">
+            <a:fld id="{C8E48A9C-8063-4332-845A-59BCC3705806}" type="slidenum">
               <a:rPr b="0" lang="en" sz="1000" spc="-1" strike="noStrike">
                 <a:solidFill>
                   <a:schemeClr val="dk2"/>
@@ -2960,7 +2960,7 @@
         <p:spPr>
           <a:xfrm>
             <a:off x="8472600" y="4663080"/>
-            <a:ext cx="545040" cy="389880"/>
+            <a:ext cx="544680" cy="389520"/>
           </a:xfrm>
           <a:prstGeom prst="rect">
             <a:avLst/>
@@ -3002,7 +3002,7 @@
                 <a:tab algn="l" pos="0"/>
               </a:tabLst>
             </a:pPr>
-            <a:fld id="{16C211F0-C9AC-46D7-9F9C-2D65A38C607C}" type="slidenum">
+            <a:fld id="{2977BEBE-FB66-4C4A-BF80-7712D2EAA20A}" type="slidenum">
               <a:rPr b="0" lang="en" sz="1000" spc="-1" strike="noStrike">
                 <a:solidFill>
                   <a:schemeClr val="dk2"/>
@@ -3067,7 +3067,7 @@
         <p:spPr>
           <a:xfrm>
             <a:off x="8472600" y="4663080"/>
-            <a:ext cx="545040" cy="389880"/>
+            <a:ext cx="544680" cy="389520"/>
           </a:xfrm>
           <a:prstGeom prst="rect">
             <a:avLst/>
@@ -3109,7 +3109,7 @@
                 <a:tab algn="l" pos="0"/>
               </a:tabLst>
             </a:pPr>
-            <a:fld id="{4772EADD-2845-429A-9FD9-7081AA3DD735}" type="slidenum">
+            <a:fld id="{33438834-E1DA-43CB-8141-F6AAA986126C}" type="slidenum">
               <a:rPr b="0" lang="en" sz="1000" spc="-1" strike="noStrike">
                 <a:solidFill>
                   <a:schemeClr val="dk2"/>
@@ -3167,7 +3167,7 @@
         <p:spPr>
           <a:xfrm>
             <a:off x="311760" y="744480"/>
-            <a:ext cx="8516880" cy="2049120"/>
+            <a:ext cx="8516520" cy="2048760"/>
           </a:xfrm>
           <a:prstGeom prst="rect">
             <a:avLst/>
@@ -3207,7 +3207,7 @@
         <p:spPr>
           <a:xfrm>
             <a:off x="311760" y="2834280"/>
-            <a:ext cx="8516880" cy="789120"/>
+            <a:ext cx="8516520" cy="788760"/>
           </a:xfrm>
           <a:prstGeom prst="rect">
             <a:avLst/>
@@ -3319,7 +3319,7 @@
         <p:spPr>
           <a:xfrm>
             <a:off x="311760" y="444960"/>
-            <a:ext cx="8516880" cy="569160"/>
+            <a:ext cx="8516520" cy="568800"/>
           </a:xfrm>
           <a:prstGeom prst="rect">
             <a:avLst/>
@@ -3359,7 +3359,7 @@
         <p:spPr>
           <a:xfrm>
             <a:off x="311760" y="1152360"/>
-            <a:ext cx="8516880" cy="3412800"/>
+            <a:ext cx="8516520" cy="3412440"/>
           </a:xfrm>
           <a:prstGeom prst="rect">
             <a:avLst/>
@@ -3451,7 +3451,7 @@
         <p:spPr>
           <a:xfrm>
             <a:off x="311760" y="444960"/>
-            <a:ext cx="8516880" cy="569160"/>
+            <a:ext cx="8516520" cy="568800"/>
           </a:xfrm>
           <a:prstGeom prst="rect">
             <a:avLst/>
@@ -3506,7 +3506,7 @@
         <p:spPr>
           <a:xfrm>
             <a:off x="311760" y="1152360"/>
-            <a:ext cx="8516880" cy="3412800"/>
+            <a:ext cx="8516520" cy="3412440"/>
           </a:xfrm>
           <a:prstGeom prst="rect">
             <a:avLst/>
@@ -3543,16 +3543,7 @@
                 </a:solidFill>
                 <a:latin typeface="Arial"/>
               </a:rPr>
-              <a:t>{#ite</a:t>
-            </a:r>
-            <a:r>
-              <a:rPr b="0" lang="en" sz="1800" spc="-1" strike="noStrike">
-                <a:solidFill>
-                  <a:srgbClr val="c9211e"/>
-                </a:solidFill>
-                <a:latin typeface="Arial"/>
-              </a:rPr>
-              <a:t>ms}</a:t>
+              <a:t>{#items}</a:t>
             </a:r>
             <a:endParaRPr b="0" lang="pt-BR" sz="1800" spc="-1" strike="noStrike">
               <a:solidFill>
@@ -3584,7 +3575,7 @@
                 </a:solidFill>
                 <a:latin typeface="Arial"/>
               </a:rPr>
-              <a:t>Item: {item} Descrição: {description} Preço: {price}</a:t>
+              <a:t>Item: {item Descrição: {description} Preço: {price}</a:t>
             </a:r>
             <a:endParaRPr b="0" lang="pt-BR" sz="1800" spc="-1" strike="noStrike">
               <a:solidFill>
